--- a/usecases/ask-hr/assets/AskHR_business_challenge_r1.pptx
+++ b/usecases/ask-hr/assets/AskHR_business_challenge_r1.pptx
@@ -184,6 +184,89 @@
 
 <file path=ppt/changesInfos/changesInfo1.xml><?xml version="1.0" encoding="utf-8"?>
 <pc:chgInfo xmlns:a="http://schemas.openxmlformats.org/drawingml/2006/main" xmlns:r="http://schemas.openxmlformats.org/officeDocument/2006/relationships" xmlns:ac="http://schemas.microsoft.com/office/drawing/2013/main/command" xmlns:pc="http://schemas.microsoft.com/office/powerpoint/2013/main/command">
+  <pc:docChgLst>
+    <pc:chgData name="Aravind Krishnan B" userId="d32545a2-e653-45e0-8f3b-734a06237656" providerId="ADAL" clId="{DD5B0E2F-12D3-2D43-B0C5-EC8CE1B03F33}"/>
+    <pc:docChg chg="undo custSel addSld delSld modSld modSection">
+      <pc:chgData name="Aravind Krishnan B" userId="d32545a2-e653-45e0-8f3b-734a06237656" providerId="ADAL" clId="{DD5B0E2F-12D3-2D43-B0C5-EC8CE1B03F33}" dt="2025-03-06T04:57:51.112" v="414" actId="1076"/>
+      <pc:docMkLst>
+        <pc:docMk/>
+      </pc:docMkLst>
+      <pc:sldChg chg="delSp modSp del mod modShow">
+        <pc:chgData name="Aravind Krishnan B" userId="d32545a2-e653-45e0-8f3b-734a06237656" providerId="ADAL" clId="{DD5B0E2F-12D3-2D43-B0C5-EC8CE1B03F33}" dt="2025-03-06T04:37:08.630" v="406" actId="2696"/>
+        <pc:sldMkLst>
+          <pc:docMk/>
+          <pc:sldMk cId="3560136934" sldId="554"/>
+        </pc:sldMkLst>
+      </pc:sldChg>
+      <pc:sldChg chg="addSp delSp modSp mod">
+        <pc:chgData name="Aravind Krishnan B" userId="d32545a2-e653-45e0-8f3b-734a06237656" providerId="ADAL" clId="{DD5B0E2F-12D3-2D43-B0C5-EC8CE1B03F33}" dt="2025-03-06T04:37:40.716" v="410" actId="14100"/>
+        <pc:sldMkLst>
+          <pc:docMk/>
+          <pc:sldMk cId="3799341485" sldId="2147481115"/>
+        </pc:sldMkLst>
+        <pc:picChg chg="add del mod">
+          <ac:chgData name="Aravind Krishnan B" userId="d32545a2-e653-45e0-8f3b-734a06237656" providerId="ADAL" clId="{DD5B0E2F-12D3-2D43-B0C5-EC8CE1B03F33}" dt="2025-03-06T04:37:35.046" v="407" actId="478"/>
+          <ac:picMkLst>
+            <pc:docMk/>
+            <pc:sldMk cId="3799341485" sldId="2147481115"/>
+            <ac:picMk id="8" creationId="{C44DA8FA-8C6D-76FE-E92D-F50581925AE8}"/>
+          </ac:picMkLst>
+        </pc:picChg>
+        <pc:picChg chg="add mod">
+          <ac:chgData name="Aravind Krishnan B" userId="d32545a2-e653-45e0-8f3b-734a06237656" providerId="ADAL" clId="{DD5B0E2F-12D3-2D43-B0C5-EC8CE1B03F33}" dt="2025-03-06T04:37:40.716" v="410" actId="14100"/>
+          <ac:picMkLst>
+            <pc:docMk/>
+            <pc:sldMk cId="3799341485" sldId="2147481115"/>
+            <ac:picMk id="12" creationId="{3F7DDD6B-EAD0-E38F-3B51-3BC140556235}"/>
+          </ac:picMkLst>
+        </pc:picChg>
+      </pc:sldChg>
+      <pc:sldChg chg="del mod modShow">
+        <pc:chgData name="Aravind Krishnan B" userId="d32545a2-e653-45e0-8f3b-734a06237656" providerId="ADAL" clId="{DD5B0E2F-12D3-2D43-B0C5-EC8CE1B03F33}" dt="2025-03-06T04:37:08.630" v="406" actId="2696"/>
+        <pc:sldMkLst>
+          <pc:docMk/>
+          <pc:sldMk cId="388551397" sldId="2147481116"/>
+        </pc:sldMkLst>
+      </pc:sldChg>
+      <pc:sldChg chg="addSp delSp modSp add del mod">
+        <pc:chgData name="Aravind Krishnan B" userId="d32545a2-e653-45e0-8f3b-734a06237656" providerId="ADAL" clId="{DD5B0E2F-12D3-2D43-B0C5-EC8CE1B03F33}" dt="2025-03-05T13:27:38.701" v="246" actId="2696"/>
+        <pc:sldMkLst>
+          <pc:docMk/>
+          <pc:sldMk cId="4192452368" sldId="2147481117"/>
+        </pc:sldMkLst>
+      </pc:sldChg>
+      <pc:sldChg chg="addSp delSp modSp add del mod">
+        <pc:chgData name="Aravind Krishnan B" userId="d32545a2-e653-45e0-8f3b-734a06237656" providerId="ADAL" clId="{DD5B0E2F-12D3-2D43-B0C5-EC8CE1B03F33}" dt="2025-03-05T13:30:33.736" v="279" actId="2696"/>
+        <pc:sldMkLst>
+          <pc:docMk/>
+          <pc:sldMk cId="2088812517" sldId="2147481118"/>
+        </pc:sldMkLst>
+      </pc:sldChg>
+      <pc:sldChg chg="addSp delSp modSp add mod">
+        <pc:chgData name="Aravind Krishnan B" userId="d32545a2-e653-45e0-8f3b-734a06237656" providerId="ADAL" clId="{DD5B0E2F-12D3-2D43-B0C5-EC8CE1B03F33}" dt="2025-03-06T04:57:51.112" v="414" actId="1076"/>
+        <pc:sldMkLst>
+          <pc:docMk/>
+          <pc:sldMk cId="450808871" sldId="2147481119"/>
+        </pc:sldMkLst>
+        <pc:spChg chg="add del mod">
+          <ac:chgData name="Aravind Krishnan B" userId="d32545a2-e653-45e0-8f3b-734a06237656" providerId="ADAL" clId="{DD5B0E2F-12D3-2D43-B0C5-EC8CE1B03F33}" dt="2025-03-06T04:57:51.112" v="414" actId="1076"/>
+          <ac:spMkLst>
+            <pc:docMk/>
+            <pc:sldMk cId="450808871" sldId="2147481119"/>
+            <ac:spMk id="2" creationId="{7EFCD42E-A38D-A758-199D-EB6F44699B4B}"/>
+          </ac:spMkLst>
+        </pc:spChg>
+        <pc:spChg chg="add del mod">
+          <ac:chgData name="Aravind Krishnan B" userId="d32545a2-e653-45e0-8f3b-734a06237656" providerId="ADAL" clId="{DD5B0E2F-12D3-2D43-B0C5-EC8CE1B03F33}" dt="2025-03-06T04:57:28.179" v="412" actId="478"/>
+          <ac:spMkLst>
+            <pc:docMk/>
+            <pc:sldMk cId="450808871" sldId="2147481119"/>
+            <ac:spMk id="17" creationId="{4813BB0C-5736-C70A-F80E-FD6A6FF8D403}"/>
+          </ac:spMkLst>
+        </pc:spChg>
+      </pc:sldChg>
+    </pc:docChg>
+  </pc:docChgLst>
   <pc:docChgLst>
     <pc:chgData name="Aravind Krishnan B" userId="d32545a2-e653-45e0-8f3b-734a06237656" providerId="ADAL" clId="{2580CB08-B959-714C-80C9-2E895FF3FF7B}"/>
     <pc:docChg chg="undo custSel modSld">
@@ -495,89 +578,6 @@
     </pc:docChg>
   </pc:docChgLst>
   <pc:docChgLst>
-    <pc:chgData name="Aravind Krishnan B" userId="d32545a2-e653-45e0-8f3b-734a06237656" providerId="ADAL" clId="{DD5B0E2F-12D3-2D43-B0C5-EC8CE1B03F33}"/>
-    <pc:docChg chg="undo custSel addSld delSld modSld modSection">
-      <pc:chgData name="Aravind Krishnan B" userId="d32545a2-e653-45e0-8f3b-734a06237656" providerId="ADAL" clId="{DD5B0E2F-12D3-2D43-B0C5-EC8CE1B03F33}" dt="2025-03-06T04:57:51.112" v="414" actId="1076"/>
-      <pc:docMkLst>
-        <pc:docMk/>
-      </pc:docMkLst>
-      <pc:sldChg chg="delSp modSp del mod modShow">
-        <pc:chgData name="Aravind Krishnan B" userId="d32545a2-e653-45e0-8f3b-734a06237656" providerId="ADAL" clId="{DD5B0E2F-12D3-2D43-B0C5-EC8CE1B03F33}" dt="2025-03-06T04:37:08.630" v="406" actId="2696"/>
-        <pc:sldMkLst>
-          <pc:docMk/>
-          <pc:sldMk cId="3560136934" sldId="554"/>
-        </pc:sldMkLst>
-      </pc:sldChg>
-      <pc:sldChg chg="addSp delSp modSp mod">
-        <pc:chgData name="Aravind Krishnan B" userId="d32545a2-e653-45e0-8f3b-734a06237656" providerId="ADAL" clId="{DD5B0E2F-12D3-2D43-B0C5-EC8CE1B03F33}" dt="2025-03-06T04:37:40.716" v="410" actId="14100"/>
-        <pc:sldMkLst>
-          <pc:docMk/>
-          <pc:sldMk cId="3799341485" sldId="2147481115"/>
-        </pc:sldMkLst>
-        <pc:picChg chg="add del mod">
-          <ac:chgData name="Aravind Krishnan B" userId="d32545a2-e653-45e0-8f3b-734a06237656" providerId="ADAL" clId="{DD5B0E2F-12D3-2D43-B0C5-EC8CE1B03F33}" dt="2025-03-06T04:37:35.046" v="407" actId="478"/>
-          <ac:picMkLst>
-            <pc:docMk/>
-            <pc:sldMk cId="3799341485" sldId="2147481115"/>
-            <ac:picMk id="8" creationId="{C44DA8FA-8C6D-76FE-E92D-F50581925AE8}"/>
-          </ac:picMkLst>
-        </pc:picChg>
-        <pc:picChg chg="add mod">
-          <ac:chgData name="Aravind Krishnan B" userId="d32545a2-e653-45e0-8f3b-734a06237656" providerId="ADAL" clId="{DD5B0E2F-12D3-2D43-B0C5-EC8CE1B03F33}" dt="2025-03-06T04:37:40.716" v="410" actId="14100"/>
-          <ac:picMkLst>
-            <pc:docMk/>
-            <pc:sldMk cId="3799341485" sldId="2147481115"/>
-            <ac:picMk id="12" creationId="{3F7DDD6B-EAD0-E38F-3B51-3BC140556235}"/>
-          </ac:picMkLst>
-        </pc:picChg>
-      </pc:sldChg>
-      <pc:sldChg chg="del mod modShow">
-        <pc:chgData name="Aravind Krishnan B" userId="d32545a2-e653-45e0-8f3b-734a06237656" providerId="ADAL" clId="{DD5B0E2F-12D3-2D43-B0C5-EC8CE1B03F33}" dt="2025-03-06T04:37:08.630" v="406" actId="2696"/>
-        <pc:sldMkLst>
-          <pc:docMk/>
-          <pc:sldMk cId="388551397" sldId="2147481116"/>
-        </pc:sldMkLst>
-      </pc:sldChg>
-      <pc:sldChg chg="addSp delSp modSp add del mod">
-        <pc:chgData name="Aravind Krishnan B" userId="d32545a2-e653-45e0-8f3b-734a06237656" providerId="ADAL" clId="{DD5B0E2F-12D3-2D43-B0C5-EC8CE1B03F33}" dt="2025-03-05T13:27:38.701" v="246" actId="2696"/>
-        <pc:sldMkLst>
-          <pc:docMk/>
-          <pc:sldMk cId="4192452368" sldId="2147481117"/>
-        </pc:sldMkLst>
-      </pc:sldChg>
-      <pc:sldChg chg="addSp delSp modSp add del mod">
-        <pc:chgData name="Aravind Krishnan B" userId="d32545a2-e653-45e0-8f3b-734a06237656" providerId="ADAL" clId="{DD5B0E2F-12D3-2D43-B0C5-EC8CE1B03F33}" dt="2025-03-05T13:30:33.736" v="279" actId="2696"/>
-        <pc:sldMkLst>
-          <pc:docMk/>
-          <pc:sldMk cId="2088812517" sldId="2147481118"/>
-        </pc:sldMkLst>
-      </pc:sldChg>
-      <pc:sldChg chg="addSp delSp modSp add mod">
-        <pc:chgData name="Aravind Krishnan B" userId="d32545a2-e653-45e0-8f3b-734a06237656" providerId="ADAL" clId="{DD5B0E2F-12D3-2D43-B0C5-EC8CE1B03F33}" dt="2025-03-06T04:57:51.112" v="414" actId="1076"/>
-        <pc:sldMkLst>
-          <pc:docMk/>
-          <pc:sldMk cId="450808871" sldId="2147481119"/>
-        </pc:sldMkLst>
-        <pc:spChg chg="add del mod">
-          <ac:chgData name="Aravind Krishnan B" userId="d32545a2-e653-45e0-8f3b-734a06237656" providerId="ADAL" clId="{DD5B0E2F-12D3-2D43-B0C5-EC8CE1B03F33}" dt="2025-03-06T04:57:51.112" v="414" actId="1076"/>
-          <ac:spMkLst>
-            <pc:docMk/>
-            <pc:sldMk cId="450808871" sldId="2147481119"/>
-            <ac:spMk id="2" creationId="{7EFCD42E-A38D-A758-199D-EB6F44699B4B}"/>
-          </ac:spMkLst>
-        </pc:spChg>
-        <pc:spChg chg="add del mod">
-          <ac:chgData name="Aravind Krishnan B" userId="d32545a2-e653-45e0-8f3b-734a06237656" providerId="ADAL" clId="{DD5B0E2F-12D3-2D43-B0C5-EC8CE1B03F33}" dt="2025-03-06T04:57:28.179" v="412" actId="478"/>
-          <ac:spMkLst>
-            <pc:docMk/>
-            <pc:sldMk cId="450808871" sldId="2147481119"/>
-            <ac:spMk id="17" creationId="{4813BB0C-5736-C70A-F80E-FD6A6FF8D403}"/>
-          </ac:spMkLst>
-        </pc:spChg>
-      </pc:sldChg>
-    </pc:docChg>
-  </pc:docChgLst>
-  <pc:docChgLst>
     <pc:chgData name="Aravind Krishnan B" userId="d32545a2-e653-45e0-8f3b-734a06237656" providerId="ADAL" clId="{3AE04745-6557-4A4C-B6C1-8D18DE022B42}"/>
     <pc:docChg chg="custSel addSld delSld modSld modSection">
       <pc:chgData name="Aravind Krishnan B" userId="d32545a2-e653-45e0-8f3b-734a06237656" providerId="ADAL" clId="{3AE04745-6557-4A4C-B6C1-8D18DE022B42}" dt="2025-03-07T04:38:11.003" v="162" actId="1076"/>
@@ -25258,7 +25258,7 @@
           </a:ln>
           <a:extLst>
             <a:ext uri="{C572A759-6A51-4108-AA02-DFA0A04FC94B}">
-              <ma14:wrappingTextBoxFlag xmlns:ma14="http://schemas.microsoft.com/office/mac/drawingml/2011/main" xmlns:a14="http://schemas.microsoft.com/office/drawing/2010/main" xmlns:m="http://schemas.openxmlformats.org/officeDocument/2006/math" xmlns="" val="1"/>
+              <ma14:wrappingTextBoxFlag xmlns="" xmlns:m="http://schemas.openxmlformats.org/officeDocument/2006/math" xmlns:a14="http://schemas.microsoft.com/office/drawing/2010/main" xmlns:ma14="http://schemas.microsoft.com/office/mac/drawingml/2011/main" val="1"/>
             </a:ext>
           </a:extLst>
         </p:spPr>
@@ -25296,7 +25296,7 @@
           </a:ln>
           <a:extLst>
             <a:ext uri="{C572A759-6A51-4108-AA02-DFA0A04FC94B}">
-              <ma14:wrappingTextBoxFlag xmlns:ma14="http://schemas.microsoft.com/office/mac/drawingml/2011/main" xmlns:a14="http://schemas.microsoft.com/office/drawing/2010/main" xmlns:m="http://schemas.openxmlformats.org/officeDocument/2006/math" xmlns="" val="1"/>
+              <ma14:wrappingTextBoxFlag xmlns="" xmlns:m="http://schemas.openxmlformats.org/officeDocument/2006/math" xmlns:a14="http://schemas.microsoft.com/office/drawing/2010/main" xmlns:ma14="http://schemas.microsoft.com/office/mac/drawingml/2011/main" val="1"/>
             </a:ext>
           </a:extLst>
         </p:spPr>
@@ -26556,7 +26556,7 @@
           </a:ln>
           <a:extLst>
             <a:ext uri="{C572A759-6A51-4108-AA02-DFA0A04FC94B}">
-              <ma14:wrappingTextBoxFlag xmlns:ma14="http://schemas.microsoft.com/office/mac/drawingml/2011/main" xmlns:a14="http://schemas.microsoft.com/office/drawing/2010/main" xmlns:m="http://schemas.openxmlformats.org/officeDocument/2006/math" xmlns="" val="1"/>
+              <ma14:wrappingTextBoxFlag xmlns="" xmlns:m="http://schemas.openxmlformats.org/officeDocument/2006/math" xmlns:a14="http://schemas.microsoft.com/office/drawing/2010/main" xmlns:ma14="http://schemas.microsoft.com/office/mac/drawingml/2011/main" val="1"/>
             </a:ext>
           </a:extLst>
         </p:spPr>
@@ -26911,7 +26911,7 @@
           </a:ln>
           <a:extLst>
             <a:ext uri="{C572A759-6A51-4108-AA02-DFA0A04FC94B}">
-              <ma14:wrappingTextBoxFlag xmlns="" xmlns:m="http://schemas.openxmlformats.org/officeDocument/2006/math" xmlns:a14="http://schemas.microsoft.com/office/drawing/2010/main" xmlns:ma14="http://schemas.microsoft.com/office/mac/drawingml/2011/main" val="1"/>
+              <ma14:wrappingTextBoxFlag xmlns:ma14="http://schemas.microsoft.com/office/mac/drawingml/2011/main" xmlns:a14="http://schemas.microsoft.com/office/drawing/2010/main" xmlns:m="http://schemas.openxmlformats.org/officeDocument/2006/math" xmlns="" val="1"/>
             </a:ext>
           </a:extLst>
         </p:spPr>
@@ -27363,7 +27363,7 @@
           </a:ln>
           <a:extLst>
             <a:ext uri="{C572A759-6A51-4108-AA02-DFA0A04FC94B}">
-              <ma14:wrappingTextBoxFlag xmlns="" xmlns:m="http://schemas.openxmlformats.org/officeDocument/2006/math" xmlns:a14="http://schemas.microsoft.com/office/drawing/2010/main" xmlns:ma14="http://schemas.microsoft.com/office/mac/drawingml/2011/main" val="1"/>
+              <ma14:wrappingTextBoxFlag xmlns:ma14="http://schemas.microsoft.com/office/mac/drawingml/2011/main" xmlns:a14="http://schemas.microsoft.com/office/drawing/2010/main" xmlns:m="http://schemas.openxmlformats.org/officeDocument/2006/math" xmlns="" val="1"/>
             </a:ext>
           </a:extLst>
         </p:spPr>
@@ -27515,7 +27515,7 @@
           </a:ln>
           <a:extLst>
             <a:ext uri="{C572A759-6A51-4108-AA02-DFA0A04FC94B}">
-              <ma14:wrappingTextBoxFlag xmlns="" xmlns:m="http://schemas.openxmlformats.org/officeDocument/2006/math" xmlns:a14="http://schemas.microsoft.com/office/drawing/2010/main" xmlns:ma14="http://schemas.microsoft.com/office/mac/drawingml/2011/main" val="1"/>
+              <ma14:wrappingTextBoxFlag xmlns:ma14="http://schemas.microsoft.com/office/mac/drawingml/2011/main" xmlns:a14="http://schemas.microsoft.com/office/drawing/2010/main" xmlns:m="http://schemas.openxmlformats.org/officeDocument/2006/math" xmlns="" val="1"/>
             </a:ext>
           </a:extLst>
         </p:spPr>
@@ -27569,7 +27569,7 @@
           </a:ln>
           <a:extLst>
             <a:ext uri="{C572A759-6A51-4108-AA02-DFA0A04FC94B}">
-              <ma14:wrappingTextBoxFlag xmlns="" xmlns:m="http://schemas.openxmlformats.org/officeDocument/2006/math" xmlns:a14="http://schemas.microsoft.com/office/drawing/2010/main" xmlns:ma14="http://schemas.microsoft.com/office/mac/drawingml/2011/main" val="1"/>
+              <ma14:wrappingTextBoxFlag xmlns:ma14="http://schemas.microsoft.com/office/mac/drawingml/2011/main" xmlns:a14="http://schemas.microsoft.com/office/drawing/2010/main" xmlns:m="http://schemas.openxmlformats.org/officeDocument/2006/math" xmlns="" val="1"/>
             </a:ext>
           </a:extLst>
         </p:spPr>
@@ -27923,7 +27923,7 @@
           </a:ln>
           <a:extLst>
             <a:ext uri="{C572A759-6A51-4108-AA02-DFA0A04FC94B}">
-              <ma14:wrappingTextBoxFlag xmlns="" xmlns:m="http://schemas.openxmlformats.org/officeDocument/2006/math" xmlns:a14="http://schemas.microsoft.com/office/drawing/2010/main" xmlns:ma14="http://schemas.microsoft.com/office/mac/drawingml/2011/main" val="1"/>
+              <ma14:wrappingTextBoxFlag xmlns:ma14="http://schemas.microsoft.com/office/mac/drawingml/2011/main" xmlns:a14="http://schemas.microsoft.com/office/drawing/2010/main" xmlns:m="http://schemas.openxmlformats.org/officeDocument/2006/math" xmlns="" val="1"/>
             </a:ext>
           </a:extLst>
         </p:spPr>
@@ -28281,7 +28281,7 @@
         </a:ln>
         <a:extLst>
           <a:ext uri="{C572A759-6A51-4108-AA02-DFA0A04FC94B}">
-            <ma14:wrappingTextBoxFlag xmlns:r="http://schemas.openxmlformats.org/officeDocument/2006/relationships" xmlns:p="http://schemas.openxmlformats.org/presentationml/2006/main" xmlns="" xmlns:m="http://schemas.openxmlformats.org/officeDocument/2006/math" xmlns:a14="http://schemas.microsoft.com/office/drawing/2010/main" xmlns:ma14="http://schemas.microsoft.com/office/mac/drawingml/2011/main" val="1"/>
+            <ma14:wrappingTextBoxFlag xmlns:ma14="http://schemas.microsoft.com/office/mac/drawingml/2011/main" xmlns:a14="http://schemas.microsoft.com/office/drawing/2010/main" xmlns:m="http://schemas.openxmlformats.org/officeDocument/2006/math" xmlns="" xmlns:p="http://schemas.openxmlformats.org/presentationml/2006/main" xmlns:r="http://schemas.openxmlformats.org/officeDocument/2006/relationships" val="1"/>
           </a:ext>
         </a:extLst>
       </a:spPr>
@@ -28787,7 +28787,7 @@
         </a:ln>
         <a:extLst>
           <a:ext uri="{C572A759-6A51-4108-AA02-DFA0A04FC94B}">
-            <ma14:wrappingTextBoxFlag xmlns:ma14="http://schemas.microsoft.com/office/mac/drawingml/2011/main" xmlns:a14="http://schemas.microsoft.com/office/drawing/2010/main" xmlns:m="http://schemas.openxmlformats.org/officeDocument/2006/math" xmlns="" xmlns:p="http://schemas.openxmlformats.org/presentationml/2006/main" xmlns:r="http://schemas.openxmlformats.org/officeDocument/2006/relationships" val="1"/>
+            <ma14:wrappingTextBoxFlag xmlns:r="http://schemas.openxmlformats.org/officeDocument/2006/relationships" xmlns:p="http://schemas.openxmlformats.org/presentationml/2006/main" xmlns="" xmlns:m="http://schemas.openxmlformats.org/officeDocument/2006/math" xmlns:a14="http://schemas.microsoft.com/office/drawing/2010/main" xmlns:ma14="http://schemas.microsoft.com/office/mac/drawingml/2011/main" val="1"/>
           </a:ext>
         </a:extLst>
       </a:spPr>
@@ -29293,7 +29293,7 @@
         </a:ln>
         <a:extLst>
           <a:ext uri="{C572A759-6A51-4108-AA02-DFA0A04FC94B}">
-            <ma14:wrappingTextBoxFlag xmlns:ma14="http://schemas.microsoft.com/office/mac/drawingml/2011/main" xmlns:a14="http://schemas.microsoft.com/office/drawing/2010/main" xmlns:m="http://schemas.openxmlformats.org/officeDocument/2006/math" xmlns="" xmlns:p="http://schemas.openxmlformats.org/presentationml/2006/main" xmlns:r="http://schemas.openxmlformats.org/officeDocument/2006/relationships" val="1"/>
+            <ma14:wrappingTextBoxFlag xmlns:r="http://schemas.openxmlformats.org/officeDocument/2006/relationships" xmlns:p="http://schemas.openxmlformats.org/presentationml/2006/main" xmlns="" xmlns:m="http://schemas.openxmlformats.org/officeDocument/2006/math" xmlns:a14="http://schemas.microsoft.com/office/drawing/2010/main" xmlns:ma14="http://schemas.microsoft.com/office/mac/drawingml/2011/main" val="1"/>
           </a:ext>
         </a:extLst>
       </a:spPr>
